--- a/static/output/Presentation3_updated.pptx
+++ b/static/output/Presentation3_updated.pptx
@@ -5469,7 +5469,7 @@
                 <a:ea typeface="Aptos" panose="020B0004020202020204" pitchFamily="34" charset="0"/>
                 <a:cs typeface="Times New Roman" panose="02020603050405020304" pitchFamily="18" charset="0"/>
               </a:rPr>
-              <a:t>Gratitude</a:t>
+              <a:t>Health Impacts</a:t>
             </a:r>
             <a:endParaRPr lang="en-IN" b="1" dirty="0">
               <a:solidFill>
@@ -5520,7 +5520,7 @@
                 <a:ea typeface="Aptos" panose="020B0004020202020204" pitchFamily="34" charset="0"/>
                 <a:cs typeface="Times New Roman" panose="02020603050405020304" pitchFamily="18" charset="0"/>
               </a:rPr>
-              <a:t>Thank you for your time and attention. We appreciate the opportunity to present our proposal and look forward to potential collaboration on this exciting project.</a:t>
+              <a:t>Climate change increases the spread of diseases, heat stress, and other health issues, with the World Health Organization (WHO) estimating 150,000 deaths annually due to climate change.</a:t>
             </a:r>
             <a:endParaRPr lang="en-IN" sz="1050" dirty="0">
               <a:solidFill>
@@ -5571,7 +5571,7 @@
                 <a:ea typeface="Aptos" panose="020B0004020202020204" pitchFamily="34" charset="0"/>
                 <a:cs typeface="Times New Roman" panose="02020603050405020304" pitchFamily="18" charset="0"/>
               </a:rPr>
-              <a:t>Contact Details</a:t>
+              <a:t>Economic Consequences</a:t>
             </a:r>
             <a:endParaRPr lang="en-IN" b="1" dirty="0">
               <a:solidFill>
@@ -5627,7 +5627,7 @@
                 <a:ea typeface="Aptos" panose="020B0004020202020204" pitchFamily="34" charset="0"/>
                 <a:cs typeface="Times New Roman" panose="02020603050405020304" pitchFamily="18" charset="0"/>
               </a:rPr>
-              <a:t>For further inquiries or to discuss the proposal in more detail, please feel free to reach out to us at [Email Address] or [Phone Number]. We are available to address any questions or provide additional information.</a:t>
+              <a:t>Climate-related disasters have caused over $320 billion in economic losses in 2017 alone, as reported by Swiss Re, highlighting the significant economic burden of climate change.</a:t>
             </a:r>
             <a:endParaRPr lang="en-IN" sz="1050" kern="100" dirty="0">
               <a:solidFill>
@@ -5679,7 +5679,7 @@
                 <a:ea typeface="Aptos" panose="020B0004020202020204" pitchFamily="34" charset="0"/>
                 <a:cs typeface="Times New Roman" panose="02020603050405020304" pitchFamily="18" charset="0"/>
               </a:rPr>
-              <a:t>Availability for Questions</a:t>
+              <a:t>Food Security Threats</a:t>
             </a:r>
             <a:endParaRPr lang="en-IN" b="1" dirty="0">
               <a:solidFill>
@@ -5730,7 +5730,7 @@
                 <a:ea typeface="Aptos" panose="020B0004020202020204" pitchFamily="34" charset="0"/>
                 <a:cs typeface="Times New Roman" panose="02020603050405020304" pitchFamily="18" charset="0"/>
               </a:rPr>
-              <a:t>Should you have any questions or require clarifications regarding the proposal, we are here to assist. Your feedback and input are valuable to us as we strive for mutual success.</a:t>
+              <a:t>The Intergovernmental Panel on Climate Change (IPCC) warns that climate change could lead to a 2% decline in global food production by 2050, exacerbating hunger and malnutrition.</a:t>
             </a:r>
             <a:endParaRPr lang="en-US" sz="1050" b="0" i="0" dirty="0">
               <a:solidFill>
@@ -5782,7 +5782,7 @@
                 <a:ea typeface="Aptos" panose="020B0004020202020204" pitchFamily="34" charset="0"/>
                 <a:cs typeface="Times New Roman" panose="02020603050405020304" pitchFamily="18" charset="0"/>
               </a:rPr>
-              <a:t>Document Processing Efficiency</a:t>
+              <a:t>Vulnerable Populations</a:t>
             </a:r>
             <a:endParaRPr lang="en-IN" b="1" dirty="0">
               <a:solidFill>
@@ -5833,7 +5833,7 @@
                 <a:ea typeface="Aptos" panose="020B0004020202020204" pitchFamily="34" charset="0"/>
                 <a:cs typeface="Times New Roman" panose="02020603050405020304" pitchFamily="18" charset="0"/>
               </a:rPr>
-              <a:t>Track the time taken to ingest and analyze documents, aiming to optimize processing times as the system scales with more concurrent users.</a:t>
+              <a:t>The poor, children, and the elderly are disproportionately affected, with UNICEF stating that children are among the most vulnerable to climate change, facing increased risks of hunger, thirst, and displacement.</a:t>
             </a:r>
             <a:endParaRPr lang="en-IN" sz="1050" dirty="0">
               <a:solidFill>
@@ -5884,7 +5884,7 @@
                 <a:ea typeface="Aptos" panose="020B0004020202020204" pitchFamily="34" charset="0"/>
                 <a:cs typeface="Times New Roman" panose="02020603050405020304" pitchFamily="18" charset="0"/>
               </a:rPr>
-              <a:t>System Scalability</a:t>
+              <a:t>Urgent Action Needed</a:t>
             </a:r>
             <a:endParaRPr lang="en-IN" b="1" dirty="0">
               <a:solidFill>
@@ -5940,7 +5940,7 @@
                 <a:ea typeface="Aptos" panose="020B0004020202020204" pitchFamily="34" charset="0"/>
                 <a:cs typeface="Times New Roman" panose="02020603050405020304" pitchFamily="18" charset="0"/>
               </a:rPr>
-              <a:t>Monitor the system’s performance under load, including the ability to handle 250+ concurrent users without degradation in response times or accuracy, ensuring robust performance during peak usage.</a:t>
+              <a:t>The IPCC emphasizes that limiting global warming to 1.5°C above pre-industrial levels requires immediate and drastic reductions in greenhouse gas emissions, with the next decade being crucial for taking action.</a:t>
             </a:r>
             <a:endParaRPr lang="en-IN" sz="1050" kern="100" dirty="0">
               <a:solidFill>
@@ -6053,7 +6053,7 @@
                 <a:ea typeface="Calibri" panose="020F0502020204030204" pitchFamily="34" charset="0"/>
                 <a:cs typeface="Arial" panose="020B0604020202020204" pitchFamily="34" charset="0"/>
               </a:rPr>
-              <a:t>Continued Support and Engagement</a:t>
+              <a:t>Health, Economies, and Food Security at Risk</a:t>
             </a:r>
             <a:endParaRPr lang="en-DE" sz="1600" dirty="0">
               <a:solidFill>
@@ -6106,7 +6106,7 @@
                 <a:ea typeface="Open Sans" panose="020B0606030504020204" pitchFamily="34" charset="0"/>
                 <a:cs typeface="Arial" panose="020B0604020202020204" pitchFamily="34" charset="0"/>
               </a:rPr>
-              <a:t>Thank You</a:t>
+              <a:t>Climate Change Impacts</a:t>
             </a:r>
           </a:p>
         </p:txBody>
@@ -6196,7 +6196,7 @@
                 <a:ea typeface="Open Sans" panose="020B0606030504020204" pitchFamily="34" charset="0"/>
                 <a:cs typeface="Arial" panose="020B0604020202020204" pitchFamily="34" charset="0"/>
               </a:rPr>
-              <a:t>Appreciation and Contact Information</a:t>
+              <a:t>The Far-Reaching Consequences of Climate Change on Human Societies</a:t>
             </a:r>
           </a:p>
         </p:txBody>
